--- a/documents/Project Presentation.pptx
+++ b/documents/Project Presentation.pptx
@@ -3669,8 +3669,8 @@
         </p:nvSpPr>
         <p:spPr>
           <a:xfrm>
-            <a:off x="838200" y="365125"/>
-            <a:ext cx="4116977" cy="1325563"/>
+            <a:off x="838200" y="529949"/>
+            <a:ext cx="4116977" cy="995915"/>
           </a:xfrm>
         </p:spPr>
         <p:txBody>
@@ -3685,21 +3685,6 @@
               </a:rPr>
               <a:t>Technologies</a:t>
             </a:r>
-            <a:br>
-              <a:rPr lang="en-US" noProof="0" dirty="0">
-                <a:solidFill>
-                  <a:schemeClr val="accent1"/>
-                </a:solidFill>
-              </a:rPr>
-            </a:br>
-            <a:r>
-              <a:rPr lang="en-US" noProof="0" dirty="0">
-                <a:solidFill>
-                  <a:schemeClr val="accent1"/>
-                </a:solidFill>
-              </a:rPr>
-              <a:t>Used</a:t>
-            </a:r>
           </a:p>
         </p:txBody>
       </p:sp>
@@ -3721,8 +3706,8 @@
         </p:nvSpPr>
         <p:spPr>
           <a:xfrm>
-            <a:off x="838200" y="1825625"/>
-            <a:ext cx="4116977" cy="3164386"/>
+            <a:off x="838200" y="1667406"/>
+            <a:ext cx="4116977" cy="3218103"/>
           </a:xfrm>
         </p:spPr>
         <p:txBody>
@@ -3793,7 +3778,7 @@
         </p:blipFill>
         <p:spPr>
           <a:xfrm>
-            <a:off x="5643155" y="681038"/>
+            <a:off x="5643155" y="892371"/>
             <a:ext cx="5963194" cy="5073258"/>
           </a:xfrm>
           <a:prstGeom prst="rect">
@@ -4056,8 +4041,12 @@
           </a:p>
           <a:p>
             <a:r>
+              <a:rPr lang="en-US" noProof="0"/>
+              <a:t>Your trips </a:t>
+            </a:r>
+            <a:r>
               <a:rPr lang="en-US" noProof="0" dirty="0"/>
-              <a:t>Your trips / Dashboard</a:t>
+              <a:t>/ Dashboard</a:t>
             </a:r>
           </a:p>
           <a:p>

--- a/documents/Project Presentation.pptx
+++ b/documents/Project Presentation.pptx
@@ -213,7 +213,7 @@
           <a:p>
             <a:fld id="{1827CA52-1ACC-1344-90A4-6AB164CBEDD0}" type="datetimeFigureOut">
               <a:rPr lang="en-US" smtClean="0"/>
-              <a:t>4/28/2020</a:t>
+              <a:t>4/30/2020</a:t>
             </a:fld>
             <a:endParaRPr lang="en-US"/>
           </a:p>
@@ -3597,8 +3597,8 @@
         </p:nvSpPr>
         <p:spPr>
           <a:xfrm>
-            <a:off x="394980" y="5587883"/>
-            <a:ext cx="4083969" cy="702750"/>
+            <a:off x="394980" y="5364479"/>
+            <a:ext cx="4083969" cy="926153"/>
           </a:xfrm>
         </p:spPr>
         <p:txBody>
@@ -3610,6 +3610,13 @@
             <a:r>
               <a:rPr lang="en-US" noProof="0" dirty="0"/>
               <a:t>CS:4400</a:t>
+            </a:r>
+            <a:br>
+              <a:rPr lang="en-US" noProof="0" dirty="0"/>
+            </a:br>
+            <a:r>
+              <a:rPr lang="en-US" noProof="0" dirty="0"/>
+              <a:t>Team #5</a:t>
             </a:r>
             <a:br>
               <a:rPr lang="en-US" noProof="0" dirty="0"/>
@@ -3894,35 +3901,35 @@
             <a:pPr algn="just"/>
             <a:r>
               <a:rPr lang="en-US" sz="2400" dirty="0"/>
-              <a:t>We worked regularly throughout the semester</a:t>
+              <a:t>We worked regularly throughout the semester.</a:t>
             </a:r>
           </a:p>
           <a:p>
             <a:pPr algn="just"/>
             <a:r>
               <a:rPr lang="en-US" sz="2400" dirty="0"/>
-              <a:t>We communicated using WhatsApp and we used GitHub to collaborate together</a:t>
+              <a:t>We communicated using WhatsApp and we used GitHub to collaborate together.</a:t>
             </a:r>
           </a:p>
           <a:p>
             <a:pPr algn="just"/>
             <a:r>
               <a:rPr lang="en-US" sz="2400" dirty="0"/>
-              <a:t>Our biggest strength was teamwork. Everyone wanted to learn something and build a cool database system</a:t>
+              <a:t>Our biggest strength was teamwork. Everyone wanted to learn something and build a cool database system.</a:t>
             </a:r>
           </a:p>
           <a:p>
             <a:pPr algn="just"/>
             <a:r>
               <a:rPr lang="en-US" sz="2400" dirty="0"/>
-              <a:t>Thanks to great communication, working remotely was not a big challenge for us. We just had to move our weekly meetings to Zoom</a:t>
+              <a:t>Thanks to great communication, working remotely was not a big challenge for us. We just had to move our weekly meetings to Zoom.</a:t>
             </a:r>
           </a:p>
           <a:p>
             <a:pPr algn="just"/>
             <a:r>
               <a:rPr lang="en-US" sz="2400" dirty="0"/>
-              <a:t>We were splitting the workload evenly among each other</a:t>
+              <a:t>We were splitting the workload evenly among each other.</a:t>
             </a:r>
           </a:p>
         </p:txBody>
@@ -4324,8 +4331,12 @@
           </a:p>
           <a:p>
             <a:r>
+              <a:rPr lang="en-US" sz="2400"/>
+              <a:t>Data driven </a:t>
+            </a:r>
+            <a:r>
               <a:rPr lang="en-US" sz="2400" dirty="0"/>
-              <a:t>Data driver approach</a:t>
+              <a:t>approach</a:t>
             </a:r>
           </a:p>
           <a:p>
